--- a/常用框架逻辑图.pptx
+++ b/常用框架逻辑图.pptx
@@ -4776,7 +4776,7 @@
         <p:spPr>
           <a:xfrm>
             <a:off x="1409982" y="1255040"/>
-            <a:ext cx="853119" cy="246221"/>
+            <a:ext cx="902811" cy="246221"/>
           </a:xfrm>
           <a:prstGeom prst="rect">
             <a:avLst/>
@@ -4790,14 +4790,23 @@
           <a:lstStyle/>
           <a:p>
             <a:r>
-              <a:rPr lang="zh-CN" altLang="en-US" sz="1000" dirty="0"/>
+              <a:rPr lang="zh-CN" altLang="en-US" sz="1000" dirty="0">
+                <a:latin typeface="微软雅黑" panose="020B0503020204020204" pitchFamily="34" charset="-122"/>
+                <a:ea typeface="微软雅黑" panose="020B0503020204020204" pitchFamily="34" charset="-122"/>
+              </a:rPr>
               <a:t>发送</a:t>
             </a:r>
             <a:r>
-              <a:rPr lang="en-US" altLang="zh-CN" sz="1000" dirty="0"/>
+              <a:rPr lang="en-US" altLang="zh-CN" sz="1000" dirty="0">
+                <a:latin typeface="微软雅黑" panose="020B0503020204020204" pitchFamily="34" charset="-122"/>
+                <a:ea typeface="微软雅黑" panose="020B0503020204020204" pitchFamily="34" charset="-122"/>
+              </a:rPr>
               <a:t>request</a:t>
             </a:r>
-            <a:endParaRPr lang="zh-CN" altLang="en-US" sz="1000" dirty="0"/>
+            <a:endParaRPr lang="zh-CN" altLang="en-US" sz="1000" dirty="0">
+              <a:latin typeface="微软雅黑" panose="020B0503020204020204" pitchFamily="34" charset="-122"/>
+              <a:ea typeface="微软雅黑" panose="020B0503020204020204" pitchFamily="34" charset="-122"/>
+            </a:endParaRPr>
           </a:p>
         </p:txBody>
       </p:sp>
@@ -4842,30 +4851,51 @@
           <a:p>
             <a:pPr algn="ctr"/>
             <a:r>
-              <a:rPr lang="zh-CN" altLang="en-US" dirty="0"/>
+              <a:rPr lang="zh-CN" altLang="en-US" dirty="0">
+                <a:latin typeface="微软雅黑" panose="020B0503020204020204" pitchFamily="34" charset="-122"/>
+                <a:ea typeface="微软雅黑" panose="020B0503020204020204" pitchFamily="34" charset="-122"/>
+              </a:rPr>
               <a:t>前端控制器</a:t>
             </a:r>
-            <a:endParaRPr lang="en-US" altLang="zh-CN" dirty="0"/>
+            <a:endParaRPr lang="en-US" altLang="zh-CN" dirty="0">
+              <a:latin typeface="微软雅黑" panose="020B0503020204020204" pitchFamily="34" charset="-122"/>
+              <a:ea typeface="微软雅黑" panose="020B0503020204020204" pitchFamily="34" charset="-122"/>
+            </a:endParaRPr>
           </a:p>
           <a:p>
             <a:pPr algn="ctr"/>
             <a:r>
-              <a:rPr lang="en-US" altLang="zh-CN" sz="1000" dirty="0" err="1"/>
+              <a:rPr lang="en-US" altLang="zh-CN" sz="1000" dirty="0" err="1">
+                <a:latin typeface="微软雅黑" panose="020B0503020204020204" pitchFamily="34" charset="-122"/>
+                <a:ea typeface="微软雅黑" panose="020B0503020204020204" pitchFamily="34" charset="-122"/>
+              </a:rPr>
               <a:t>DispatcherServlet</a:t>
             </a:r>
-            <a:endParaRPr lang="en-US" altLang="zh-CN" sz="1000" dirty="0"/>
+            <a:endParaRPr lang="en-US" altLang="zh-CN" sz="1000" dirty="0">
+              <a:latin typeface="微软雅黑" panose="020B0503020204020204" pitchFamily="34" charset="-122"/>
+              <a:ea typeface="微软雅黑" panose="020B0503020204020204" pitchFamily="34" charset="-122"/>
+            </a:endParaRPr>
           </a:p>
           <a:p>
             <a:pPr algn="ctr"/>
             <a:r>
-              <a:rPr lang="zh-CN" altLang="en-US" sz="1000" dirty="0"/>
+              <a:rPr lang="zh-CN" altLang="en-US" sz="1000" dirty="0">
+                <a:latin typeface="微软雅黑" panose="020B0503020204020204" pitchFamily="34" charset="-122"/>
+                <a:ea typeface="微软雅黑" panose="020B0503020204020204" pitchFamily="34" charset="-122"/>
+              </a:rPr>
               <a:t>接收用户请求，响应</a:t>
             </a:r>
-            <a:endParaRPr lang="en-US" altLang="zh-CN" sz="1000" dirty="0"/>
+            <a:endParaRPr lang="en-US" altLang="zh-CN" sz="1000" dirty="0">
+              <a:latin typeface="微软雅黑" panose="020B0503020204020204" pitchFamily="34" charset="-122"/>
+              <a:ea typeface="微软雅黑" panose="020B0503020204020204" pitchFamily="34" charset="-122"/>
+            </a:endParaRPr>
           </a:p>
           <a:p>
             <a:pPr algn="ctr"/>
-            <a:endParaRPr lang="zh-CN" altLang="en-US" sz="1000" dirty="0"/>
+            <a:endParaRPr lang="zh-CN" altLang="en-US" sz="1000" dirty="0">
+              <a:latin typeface="微软雅黑" panose="020B0503020204020204" pitchFamily="34" charset="-122"/>
+              <a:ea typeface="微软雅黑" panose="020B0503020204020204" pitchFamily="34" charset="-122"/>
+            </a:endParaRPr>
           </a:p>
         </p:txBody>
       </p:sp>
@@ -4910,38 +4940,65 @@
           <a:p>
             <a:pPr algn="ctr"/>
             <a:r>
-              <a:rPr lang="zh-CN" altLang="en-US" sz="1000" dirty="0"/>
+              <a:rPr lang="zh-CN" altLang="en-US" sz="1000" dirty="0">
+                <a:latin typeface="微软雅黑" panose="020B0503020204020204" pitchFamily="34" charset="-122"/>
+                <a:ea typeface="微软雅黑" panose="020B0503020204020204" pitchFamily="34" charset="-122"/>
+              </a:rPr>
               <a:t>处理器映射器</a:t>
             </a:r>
-            <a:endParaRPr lang="en-US" altLang="zh-CN" sz="1000" dirty="0"/>
+            <a:endParaRPr lang="en-US" altLang="zh-CN" sz="1000" dirty="0">
+              <a:latin typeface="微软雅黑" panose="020B0503020204020204" pitchFamily="34" charset="-122"/>
+              <a:ea typeface="微软雅黑" panose="020B0503020204020204" pitchFamily="34" charset="-122"/>
+            </a:endParaRPr>
           </a:p>
           <a:p>
             <a:pPr algn="ctr"/>
             <a:r>
-              <a:rPr lang="en-US" altLang="zh-CN" sz="1000" dirty="0" err="1"/>
+              <a:rPr lang="en-US" altLang="zh-CN" sz="1000" dirty="0" err="1">
+                <a:latin typeface="微软雅黑" panose="020B0503020204020204" pitchFamily="34" charset="-122"/>
+                <a:ea typeface="微软雅黑" panose="020B0503020204020204" pitchFamily="34" charset="-122"/>
+              </a:rPr>
               <a:t>HandlerMapping</a:t>
             </a:r>
-            <a:endParaRPr lang="en-US" altLang="zh-CN" sz="1000" dirty="0"/>
+            <a:endParaRPr lang="en-US" altLang="zh-CN" sz="1000" dirty="0">
+              <a:latin typeface="微软雅黑" panose="020B0503020204020204" pitchFamily="34" charset="-122"/>
+              <a:ea typeface="微软雅黑" panose="020B0503020204020204" pitchFamily="34" charset="-122"/>
+            </a:endParaRPr>
           </a:p>
           <a:p>
             <a:pPr algn="ctr"/>
             <a:r>
-              <a:rPr lang="zh-CN" altLang="en-US" sz="1000" dirty="0"/>
+              <a:rPr lang="zh-CN" altLang="en-US" sz="1000" dirty="0">
+                <a:latin typeface="微软雅黑" panose="020B0503020204020204" pitchFamily="34" charset="-122"/>
+                <a:ea typeface="微软雅黑" panose="020B0503020204020204" pitchFamily="34" charset="-122"/>
+              </a:rPr>
               <a:t>根据请求的</a:t>
             </a:r>
             <a:r>
-              <a:rPr lang="en-US" altLang="zh-CN" sz="1000" dirty="0" err="1"/>
+              <a:rPr lang="en-US" altLang="zh-CN" sz="1000" dirty="0" err="1">
+                <a:latin typeface="微软雅黑" panose="020B0503020204020204" pitchFamily="34" charset="-122"/>
+                <a:ea typeface="微软雅黑" panose="020B0503020204020204" pitchFamily="34" charset="-122"/>
+              </a:rPr>
               <a:t>url</a:t>
             </a:r>
             <a:r>
-              <a:rPr lang="zh-CN" altLang="en-US" sz="1000" dirty="0"/>
+              <a:rPr lang="zh-CN" altLang="en-US" sz="1000" dirty="0">
+                <a:latin typeface="微软雅黑" panose="020B0503020204020204" pitchFamily="34" charset="-122"/>
+                <a:ea typeface="微软雅黑" panose="020B0503020204020204" pitchFamily="34" charset="-122"/>
+              </a:rPr>
               <a:t>查找</a:t>
             </a:r>
             <a:r>
-              <a:rPr lang="en-US" altLang="zh-CN" sz="1000" dirty="0"/>
+              <a:rPr lang="en-US" altLang="zh-CN" sz="1000" dirty="0">
+                <a:latin typeface="微软雅黑" panose="020B0503020204020204" pitchFamily="34" charset="-122"/>
+                <a:ea typeface="微软雅黑" panose="020B0503020204020204" pitchFamily="34" charset="-122"/>
+              </a:rPr>
               <a:t>Handler</a:t>
             </a:r>
-            <a:endParaRPr lang="zh-CN" altLang="en-US" sz="1000" dirty="0"/>
+            <a:endParaRPr lang="zh-CN" altLang="en-US" sz="1000" dirty="0">
+              <a:latin typeface="微软雅黑" panose="020B0503020204020204" pitchFamily="34" charset="-122"/>
+              <a:ea typeface="微软雅黑" panose="020B0503020204020204" pitchFamily="34" charset="-122"/>
+            </a:endParaRPr>
           </a:p>
         </p:txBody>
       </p:sp>
@@ -4960,7 +5017,7 @@
         <p:spPr>
           <a:xfrm>
             <a:off x="4269610" y="1588160"/>
-            <a:ext cx="1114408" cy="246221"/>
+            <a:ext cx="1162498" cy="246221"/>
           </a:xfrm>
           <a:prstGeom prst="rect">
             <a:avLst/>
@@ -4974,14 +5031,23 @@
           <a:lstStyle/>
           <a:p>
             <a:r>
-              <a:rPr lang="zh-CN" altLang="en-US" sz="1000" dirty="0"/>
+              <a:rPr lang="zh-CN" altLang="en-US" sz="1000" dirty="0">
+                <a:latin typeface="微软雅黑" panose="020B0503020204020204" pitchFamily="34" charset="-122"/>
+                <a:ea typeface="微软雅黑" panose="020B0503020204020204" pitchFamily="34" charset="-122"/>
+              </a:rPr>
               <a:t>请求查找</a:t>
             </a:r>
             <a:r>
-              <a:rPr lang="en-US" altLang="zh-CN" sz="1000" dirty="0"/>
+              <a:rPr lang="en-US" altLang="zh-CN" sz="1000" dirty="0">
+                <a:latin typeface="微软雅黑" panose="020B0503020204020204" pitchFamily="34" charset="-122"/>
+                <a:ea typeface="微软雅黑" panose="020B0503020204020204" pitchFamily="34" charset="-122"/>
+              </a:rPr>
               <a:t>handler</a:t>
             </a:r>
-            <a:endParaRPr lang="zh-CN" altLang="en-US" sz="1000" dirty="0"/>
+            <a:endParaRPr lang="zh-CN" altLang="en-US" sz="1000" dirty="0">
+              <a:latin typeface="微软雅黑" panose="020B0503020204020204" pitchFamily="34" charset="-122"/>
+              <a:ea typeface="微软雅黑" panose="020B0503020204020204" pitchFamily="34" charset="-122"/>
+            </a:endParaRPr>
           </a:p>
         </p:txBody>
       </p:sp>
@@ -5000,7 +5066,7 @@
         <p:spPr>
           <a:xfrm>
             <a:off x="4240009" y="1843809"/>
-            <a:ext cx="1497526" cy="707886"/>
+            <a:ext cx="1654620" cy="707886"/>
           </a:xfrm>
           <a:prstGeom prst="rect">
             <a:avLst/>
@@ -5014,33 +5080,54 @@
           <a:lstStyle/>
           <a:p>
             <a:r>
-              <a:rPr lang="zh-CN" altLang="en-US" sz="1000" dirty="0"/>
+              <a:rPr lang="zh-CN" altLang="en-US" sz="1000" dirty="0">
+                <a:latin typeface="微软雅黑" panose="020B0503020204020204" pitchFamily="34" charset="-122"/>
+                <a:ea typeface="微软雅黑" panose="020B0503020204020204" pitchFamily="34" charset="-122"/>
+              </a:rPr>
               <a:t>返回执行链</a:t>
             </a:r>
-            <a:endParaRPr lang="en-US" altLang="zh-CN" sz="1000" dirty="0"/>
-          </a:p>
-          <a:p>
-            <a:r>
-              <a:rPr lang="en-US" altLang="zh-CN" sz="1000" dirty="0" err="1"/>
+            <a:endParaRPr lang="en-US" altLang="zh-CN" sz="1000" dirty="0">
+              <a:latin typeface="微软雅黑" panose="020B0503020204020204" pitchFamily="34" charset="-122"/>
+              <a:ea typeface="微软雅黑" panose="020B0503020204020204" pitchFamily="34" charset="-122"/>
+            </a:endParaRPr>
+          </a:p>
+          <a:p>
+            <a:r>
+              <a:rPr lang="en-US" altLang="zh-CN" sz="1000" dirty="0" err="1">
+                <a:latin typeface="微软雅黑" panose="020B0503020204020204" pitchFamily="34" charset="-122"/>
+                <a:ea typeface="微软雅黑" panose="020B0503020204020204" pitchFamily="34" charset="-122"/>
+              </a:rPr>
               <a:t>HandlerExecutionChain</a:t>
             </a:r>
             <a:r>
-              <a:rPr lang="en-US" altLang="zh-CN" sz="1000" dirty="0"/>
+              <a:rPr lang="en-US" altLang="zh-CN" sz="1000" dirty="0">
+                <a:latin typeface="微软雅黑" panose="020B0503020204020204" pitchFamily="34" charset="-122"/>
+                <a:ea typeface="微软雅黑" panose="020B0503020204020204" pitchFamily="34" charset="-122"/>
+              </a:rPr>
               <a:t>{</a:t>
             </a:r>
           </a:p>
           <a:p>
             <a:r>
-              <a:rPr lang="en-US" altLang="zh-CN" sz="1000" dirty="0"/>
+              <a:rPr lang="en-US" altLang="zh-CN" sz="1000" dirty="0">
+                <a:latin typeface="微软雅黑" panose="020B0503020204020204" pitchFamily="34" charset="-122"/>
+                <a:ea typeface="微软雅黑" panose="020B0503020204020204" pitchFamily="34" charset="-122"/>
+              </a:rPr>
               <a:t>HandlerInterceptor1,</a:t>
             </a:r>
           </a:p>
           <a:p>
             <a:r>
-              <a:rPr lang="en-US" altLang="zh-CN" sz="1000" dirty="0"/>
+              <a:rPr lang="en-US" altLang="zh-CN" sz="1000" dirty="0">
+                <a:latin typeface="微软雅黑" panose="020B0503020204020204" pitchFamily="34" charset="-122"/>
+                <a:ea typeface="微软雅黑" panose="020B0503020204020204" pitchFamily="34" charset="-122"/>
+              </a:rPr>
               <a:t>HandlerInterceptor2 }</a:t>
             </a:r>
-            <a:endParaRPr lang="zh-CN" altLang="en-US" sz="1000" dirty="0"/>
+            <a:endParaRPr lang="zh-CN" altLang="en-US" sz="1000" dirty="0">
+              <a:latin typeface="微软雅黑" panose="020B0503020204020204" pitchFamily="34" charset="-122"/>
+              <a:ea typeface="微软雅黑" panose="020B0503020204020204" pitchFamily="34" charset="-122"/>
+            </a:endParaRPr>
           </a:p>
         </p:txBody>
       </p:sp>
@@ -5169,30 +5256,51 @@
           <a:p>
             <a:pPr algn="ctr"/>
             <a:r>
-              <a:rPr lang="zh-CN" altLang="en-US" sz="1000" dirty="0"/>
+              <a:rPr lang="zh-CN" altLang="en-US" sz="1000" dirty="0">
+                <a:latin typeface="微软雅黑" panose="020B0503020204020204" pitchFamily="34" charset="-122"/>
+                <a:ea typeface="微软雅黑" panose="020B0503020204020204" pitchFamily="34" charset="-122"/>
+              </a:rPr>
               <a:t>处理器适配器</a:t>
             </a:r>
-            <a:endParaRPr lang="en-US" altLang="zh-CN" sz="1000" dirty="0"/>
+            <a:endParaRPr lang="en-US" altLang="zh-CN" sz="1000" dirty="0">
+              <a:latin typeface="微软雅黑" panose="020B0503020204020204" pitchFamily="34" charset="-122"/>
+              <a:ea typeface="微软雅黑" panose="020B0503020204020204" pitchFamily="34" charset="-122"/>
+            </a:endParaRPr>
           </a:p>
           <a:p>
             <a:pPr algn="ctr"/>
             <a:r>
-              <a:rPr lang="en-US" altLang="zh-CN" sz="1000" dirty="0" err="1"/>
+              <a:rPr lang="en-US" altLang="zh-CN" sz="1000" dirty="0" err="1">
+                <a:latin typeface="微软雅黑" panose="020B0503020204020204" pitchFamily="34" charset="-122"/>
+                <a:ea typeface="微软雅黑" panose="020B0503020204020204" pitchFamily="34" charset="-122"/>
+              </a:rPr>
               <a:t>HandlerAdapter</a:t>
             </a:r>
-            <a:endParaRPr lang="en-US" altLang="zh-CN" sz="1000" dirty="0"/>
+            <a:endParaRPr lang="en-US" altLang="zh-CN" sz="1000" dirty="0">
+              <a:latin typeface="微软雅黑" panose="020B0503020204020204" pitchFamily="34" charset="-122"/>
+              <a:ea typeface="微软雅黑" panose="020B0503020204020204" pitchFamily="34" charset="-122"/>
+            </a:endParaRPr>
           </a:p>
           <a:p>
             <a:pPr algn="ctr"/>
             <a:r>
-              <a:rPr lang="zh-CN" altLang="en-US" sz="1000" dirty="0"/>
+              <a:rPr lang="zh-CN" altLang="en-US" sz="1000" dirty="0">
+                <a:latin typeface="微软雅黑" panose="020B0503020204020204" pitchFamily="34" charset="-122"/>
+                <a:ea typeface="微软雅黑" panose="020B0503020204020204" pitchFamily="34" charset="-122"/>
+              </a:rPr>
               <a:t>执行</a:t>
             </a:r>
             <a:r>
-              <a:rPr lang="en-US" altLang="zh-CN" sz="1000" dirty="0"/>
+              <a:rPr lang="en-US" altLang="zh-CN" sz="1000" dirty="0">
+                <a:latin typeface="微软雅黑" panose="020B0503020204020204" pitchFamily="34" charset="-122"/>
+                <a:ea typeface="微软雅黑" panose="020B0503020204020204" pitchFamily="34" charset="-122"/>
+              </a:rPr>
               <a:t>Handler</a:t>
             </a:r>
-            <a:endParaRPr lang="zh-CN" altLang="en-US" sz="1000" dirty="0"/>
+            <a:endParaRPr lang="zh-CN" altLang="en-US" sz="1000" dirty="0">
+              <a:latin typeface="微软雅黑" panose="020B0503020204020204" pitchFamily="34" charset="-122"/>
+              <a:ea typeface="微软雅黑" panose="020B0503020204020204" pitchFamily="34" charset="-122"/>
+            </a:endParaRPr>
           </a:p>
         </p:txBody>
       </p:sp>
@@ -5211,7 +5319,7 @@
         <p:spPr>
           <a:xfrm>
             <a:off x="4269610" y="2730345"/>
-            <a:ext cx="1114408" cy="246221"/>
+            <a:ext cx="1162498" cy="246221"/>
           </a:xfrm>
           <a:prstGeom prst="rect">
             <a:avLst/>
@@ -5225,14 +5333,23 @@
           <a:lstStyle/>
           <a:p>
             <a:r>
-              <a:rPr lang="zh-CN" altLang="en-US" sz="1000" dirty="0"/>
+              <a:rPr lang="zh-CN" altLang="en-US" sz="1000" dirty="0">
+                <a:latin typeface="微软雅黑" panose="020B0503020204020204" pitchFamily="34" charset="-122"/>
+                <a:ea typeface="微软雅黑" panose="020B0503020204020204" pitchFamily="34" charset="-122"/>
+              </a:rPr>
               <a:t>请求执行</a:t>
             </a:r>
             <a:r>
-              <a:rPr lang="en-US" altLang="zh-CN" sz="1000" dirty="0"/>
+              <a:rPr lang="en-US" altLang="zh-CN" sz="1000" dirty="0">
+                <a:latin typeface="微软雅黑" panose="020B0503020204020204" pitchFamily="34" charset="-122"/>
+                <a:ea typeface="微软雅黑" panose="020B0503020204020204" pitchFamily="34" charset="-122"/>
+              </a:rPr>
               <a:t>handler</a:t>
             </a:r>
-            <a:endParaRPr lang="zh-CN" altLang="en-US" sz="1000" dirty="0"/>
+            <a:endParaRPr lang="zh-CN" altLang="en-US" sz="1000" dirty="0">
+              <a:latin typeface="微软雅黑" panose="020B0503020204020204" pitchFamily="34" charset="-122"/>
+              <a:ea typeface="微软雅黑" panose="020B0503020204020204" pitchFamily="34" charset="-122"/>
+            </a:endParaRPr>
           </a:p>
         </p:txBody>
       </p:sp>
@@ -5251,7 +5368,7 @@
         <p:spPr>
           <a:xfrm>
             <a:off x="4240009" y="2985994"/>
-            <a:ext cx="1282723" cy="246221"/>
+            <a:ext cx="1378904" cy="246221"/>
           </a:xfrm>
           <a:prstGeom prst="rect">
             <a:avLst/>
@@ -5265,14 +5382,23 @@
           <a:lstStyle/>
           <a:p>
             <a:r>
-              <a:rPr lang="zh-CN" altLang="en-US" sz="1000" dirty="0"/>
+              <a:rPr lang="zh-CN" altLang="en-US" sz="1000" dirty="0">
+                <a:latin typeface="微软雅黑" panose="020B0503020204020204" pitchFamily="34" charset="-122"/>
+                <a:ea typeface="微软雅黑" panose="020B0503020204020204" pitchFamily="34" charset="-122"/>
+              </a:rPr>
               <a:t>返回</a:t>
             </a:r>
             <a:r>
-              <a:rPr lang="en-US" altLang="zh-CN" sz="1000" dirty="0" err="1"/>
+              <a:rPr lang="en-US" altLang="zh-CN" sz="1000" dirty="0" err="1">
+                <a:latin typeface="微软雅黑" panose="020B0503020204020204" pitchFamily="34" charset="-122"/>
+                <a:ea typeface="微软雅黑" panose="020B0503020204020204" pitchFamily="34" charset="-122"/>
+              </a:rPr>
               <a:t>ModelAndView</a:t>
             </a:r>
-            <a:endParaRPr lang="zh-CN" altLang="en-US" sz="1000" dirty="0"/>
+            <a:endParaRPr lang="zh-CN" altLang="en-US" sz="1000" dirty="0">
+              <a:latin typeface="微软雅黑" panose="020B0503020204020204" pitchFamily="34" charset="-122"/>
+              <a:ea typeface="微软雅黑" panose="020B0503020204020204" pitchFamily="34" charset="-122"/>
+            </a:endParaRPr>
           </a:p>
         </p:txBody>
       </p:sp>
@@ -5363,6 +5489,8 @@
                 <a:solidFill>
                   <a:schemeClr val="bg1"/>
                 </a:solidFill>
+                <a:latin typeface="微软雅黑" panose="020B0503020204020204" pitchFamily="34" charset="-122"/>
+                <a:ea typeface="微软雅黑" panose="020B0503020204020204" pitchFamily="34" charset="-122"/>
               </a:rPr>
               <a:t>Handler</a:t>
             </a:r>
@@ -5371,6 +5499,8 @@
                 <a:solidFill>
                   <a:schemeClr val="bg1"/>
                 </a:solidFill>
+                <a:latin typeface="微软雅黑" panose="020B0503020204020204" pitchFamily="34" charset="-122"/>
+                <a:ea typeface="微软雅黑" panose="020B0503020204020204" pitchFamily="34" charset="-122"/>
               </a:rPr>
               <a:t>处理器</a:t>
             </a:r>
@@ -5378,6 +5508,8 @@
               <a:solidFill>
                 <a:schemeClr val="bg1"/>
               </a:solidFill>
+              <a:latin typeface="微软雅黑" panose="020B0503020204020204" pitchFamily="34" charset="-122"/>
+              <a:ea typeface="微软雅黑" panose="020B0503020204020204" pitchFamily="34" charset="-122"/>
             </a:endParaRPr>
           </a:p>
           <a:p>
@@ -5387,6 +5519,8 @@
                 <a:solidFill>
                   <a:schemeClr val="bg1"/>
                 </a:solidFill>
+                <a:latin typeface="微软雅黑" panose="020B0503020204020204" pitchFamily="34" charset="-122"/>
+                <a:ea typeface="微软雅黑" panose="020B0503020204020204" pitchFamily="34" charset="-122"/>
               </a:rPr>
               <a:t>Controller</a:t>
             </a:r>
@@ -5394,6 +5528,8 @@
               <a:solidFill>
                 <a:schemeClr val="bg1"/>
               </a:solidFill>
+              <a:latin typeface="微软雅黑" panose="020B0503020204020204" pitchFamily="34" charset="-122"/>
+              <a:ea typeface="微软雅黑" panose="020B0503020204020204" pitchFamily="34" charset="-122"/>
             </a:endParaRPr>
           </a:p>
         </p:txBody>
@@ -5413,7 +5549,7 @@
         <p:spPr>
           <a:xfrm>
             <a:off x="7900028" y="2711491"/>
-            <a:ext cx="1114408" cy="246221"/>
+            <a:ext cx="1162498" cy="246221"/>
           </a:xfrm>
           <a:prstGeom prst="rect">
             <a:avLst/>
@@ -5427,14 +5563,23 @@
           <a:lstStyle/>
           <a:p>
             <a:r>
-              <a:rPr lang="zh-CN" altLang="en-US" sz="1000" dirty="0"/>
+              <a:rPr lang="zh-CN" altLang="en-US" sz="1000" dirty="0">
+                <a:latin typeface="微软雅黑" panose="020B0503020204020204" pitchFamily="34" charset="-122"/>
+                <a:ea typeface="微软雅黑" panose="020B0503020204020204" pitchFamily="34" charset="-122"/>
+              </a:rPr>
               <a:t>请求执行</a:t>
             </a:r>
             <a:r>
-              <a:rPr lang="en-US" altLang="zh-CN" sz="1000" dirty="0"/>
+              <a:rPr lang="en-US" altLang="zh-CN" sz="1000" dirty="0">
+                <a:latin typeface="微软雅黑" panose="020B0503020204020204" pitchFamily="34" charset="-122"/>
+                <a:ea typeface="微软雅黑" panose="020B0503020204020204" pitchFamily="34" charset="-122"/>
+              </a:rPr>
               <a:t>handler</a:t>
             </a:r>
-            <a:endParaRPr lang="zh-CN" altLang="en-US" sz="1000" dirty="0"/>
+            <a:endParaRPr lang="zh-CN" altLang="en-US" sz="1000" dirty="0">
+              <a:latin typeface="微软雅黑" panose="020B0503020204020204" pitchFamily="34" charset="-122"/>
+              <a:ea typeface="微软雅黑" panose="020B0503020204020204" pitchFamily="34" charset="-122"/>
+            </a:endParaRPr>
           </a:p>
         </p:txBody>
       </p:sp>
@@ -5453,7 +5598,7 @@
         <p:spPr>
           <a:xfrm>
             <a:off x="7870427" y="2967140"/>
-            <a:ext cx="1282723" cy="246221"/>
+            <a:ext cx="1378904" cy="246221"/>
           </a:xfrm>
           <a:prstGeom prst="rect">
             <a:avLst/>
@@ -5467,14 +5612,23 @@
           <a:lstStyle/>
           <a:p>
             <a:r>
-              <a:rPr lang="zh-CN" altLang="en-US" sz="1000" dirty="0"/>
+              <a:rPr lang="zh-CN" altLang="en-US" sz="1000" dirty="0">
+                <a:latin typeface="微软雅黑" panose="020B0503020204020204" pitchFamily="34" charset="-122"/>
+                <a:ea typeface="微软雅黑" panose="020B0503020204020204" pitchFamily="34" charset="-122"/>
+              </a:rPr>
               <a:t>返回</a:t>
             </a:r>
             <a:r>
-              <a:rPr lang="en-US" altLang="zh-CN" sz="1000" dirty="0" err="1"/>
+              <a:rPr lang="en-US" altLang="zh-CN" sz="1000" dirty="0" err="1">
+                <a:latin typeface="微软雅黑" panose="020B0503020204020204" pitchFamily="34" charset="-122"/>
+                <a:ea typeface="微软雅黑" panose="020B0503020204020204" pitchFamily="34" charset="-122"/>
+              </a:rPr>
               <a:t>ModelAndView</a:t>
             </a:r>
-            <a:endParaRPr lang="zh-CN" altLang="en-US" sz="1000" dirty="0"/>
+            <a:endParaRPr lang="zh-CN" altLang="en-US" sz="1000" dirty="0">
+              <a:latin typeface="微软雅黑" panose="020B0503020204020204" pitchFamily="34" charset="-122"/>
+              <a:ea typeface="微软雅黑" panose="020B0503020204020204" pitchFamily="34" charset="-122"/>
+            </a:endParaRPr>
           </a:p>
         </p:txBody>
       </p:sp>
@@ -5561,22 +5715,34 @@
           <a:p>
             <a:pPr algn="ctr"/>
             <a:r>
-              <a:rPr lang="zh-CN" altLang="en-US" sz="1000" dirty="0"/>
+              <a:rPr lang="zh-CN" altLang="en-US" sz="1000" dirty="0">
+                <a:latin typeface="微软雅黑" panose="020B0503020204020204" pitchFamily="34" charset="-122"/>
+                <a:ea typeface="微软雅黑" panose="020B0503020204020204" pitchFamily="34" charset="-122"/>
+              </a:rPr>
               <a:t>视图解析器</a:t>
             </a:r>
-            <a:endParaRPr lang="en-US" altLang="zh-CN" sz="1000" dirty="0"/>
+            <a:endParaRPr lang="en-US" altLang="zh-CN" sz="1000" dirty="0">
+              <a:latin typeface="微软雅黑" panose="020B0503020204020204" pitchFamily="34" charset="-122"/>
+              <a:ea typeface="微软雅黑" panose="020B0503020204020204" pitchFamily="34" charset="-122"/>
+            </a:endParaRPr>
           </a:p>
           <a:p>
             <a:pPr algn="ctr"/>
             <a:r>
-              <a:rPr lang="en-US" altLang="zh-CN" sz="1000" dirty="0"/>
+              <a:rPr lang="en-US" altLang="zh-CN" sz="1000" dirty="0">
+                <a:latin typeface="微软雅黑" panose="020B0503020204020204" pitchFamily="34" charset="-122"/>
+                <a:ea typeface="微软雅黑" panose="020B0503020204020204" pitchFamily="34" charset="-122"/>
+              </a:rPr>
               <a:t>View resolver</a:t>
             </a:r>
           </a:p>
           <a:p>
             <a:pPr algn="ctr"/>
             <a:r>
-              <a:rPr lang="zh-CN" altLang="en-US" sz="1000" dirty="0"/>
+              <a:rPr lang="zh-CN" altLang="en-US" sz="1000" dirty="0">
+                <a:latin typeface="微软雅黑" panose="020B0503020204020204" pitchFamily="34" charset="-122"/>
+                <a:ea typeface="微软雅黑" panose="020B0503020204020204" pitchFamily="34" charset="-122"/>
+              </a:rPr>
               <a:t>解析为视图</a:t>
             </a:r>
           </a:p>
@@ -5611,7 +5777,10 @@
           <a:lstStyle/>
           <a:p>
             <a:r>
-              <a:rPr lang="zh-CN" altLang="en-US" sz="1000" dirty="0"/>
+              <a:rPr lang="zh-CN" altLang="en-US" sz="1000" dirty="0">
+                <a:latin typeface="微软雅黑" panose="020B0503020204020204" pitchFamily="34" charset="-122"/>
+                <a:ea typeface="微软雅黑" panose="020B0503020204020204" pitchFamily="34" charset="-122"/>
+              </a:rPr>
               <a:t>请求视图解析</a:t>
             </a:r>
           </a:p>
@@ -5632,7 +5801,7 @@
         <p:spPr>
           <a:xfrm>
             <a:off x="4404261" y="4145434"/>
-            <a:ext cx="684803" cy="246221"/>
+            <a:ext cx="715260" cy="246221"/>
           </a:xfrm>
           <a:prstGeom prst="rect">
             <a:avLst/>
@@ -5646,14 +5815,23 @@
           <a:lstStyle/>
           <a:p>
             <a:r>
-              <a:rPr lang="zh-CN" altLang="en-US" sz="1000" dirty="0"/>
+              <a:rPr lang="zh-CN" altLang="en-US" sz="1000" dirty="0">
+                <a:latin typeface="微软雅黑" panose="020B0503020204020204" pitchFamily="34" charset="-122"/>
+                <a:ea typeface="微软雅黑" panose="020B0503020204020204" pitchFamily="34" charset="-122"/>
+              </a:rPr>
               <a:t>返回</a:t>
             </a:r>
             <a:r>
-              <a:rPr lang="en-US" altLang="zh-CN" sz="1000" dirty="0"/>
+              <a:rPr lang="en-US" altLang="zh-CN" sz="1000" dirty="0">
+                <a:latin typeface="微软雅黑" panose="020B0503020204020204" pitchFamily="34" charset="-122"/>
+                <a:ea typeface="微软雅黑" panose="020B0503020204020204" pitchFamily="34" charset="-122"/>
+              </a:rPr>
               <a:t>view</a:t>
             </a:r>
-            <a:endParaRPr lang="zh-CN" altLang="en-US" sz="1000" dirty="0"/>
+            <a:endParaRPr lang="zh-CN" altLang="en-US" sz="1000" dirty="0">
+              <a:latin typeface="微软雅黑" panose="020B0503020204020204" pitchFamily="34" charset="-122"/>
+              <a:ea typeface="微软雅黑" panose="020B0503020204020204" pitchFamily="34" charset="-122"/>
+            </a:endParaRPr>
           </a:p>
         </p:txBody>
       </p:sp>
@@ -5740,54 +5918,90 @@
           <a:p>
             <a:pPr algn="ctr"/>
             <a:r>
-              <a:rPr lang="zh-CN" altLang="en-US" sz="1000" dirty="0"/>
+              <a:rPr lang="zh-CN" altLang="en-US" sz="1000" dirty="0">
+                <a:latin typeface="微软雅黑" panose="020B0503020204020204" pitchFamily="34" charset="-122"/>
+                <a:ea typeface="微软雅黑" panose="020B0503020204020204" pitchFamily="34" charset="-122"/>
+              </a:rPr>
               <a:t>视图渲染</a:t>
             </a:r>
-            <a:endParaRPr lang="en-US" altLang="zh-CN" sz="1000" dirty="0"/>
+            <a:endParaRPr lang="en-US" altLang="zh-CN" sz="1000" dirty="0">
+              <a:latin typeface="微软雅黑" panose="020B0503020204020204" pitchFamily="34" charset="-122"/>
+              <a:ea typeface="微软雅黑" panose="020B0503020204020204" pitchFamily="34" charset="-122"/>
+            </a:endParaRPr>
           </a:p>
           <a:p>
             <a:pPr algn="ctr"/>
             <a:r>
-              <a:rPr lang="en-US" altLang="zh-CN" sz="1000" dirty="0" err="1"/>
+              <a:rPr lang="en-US" altLang="zh-CN" sz="1000" dirty="0" err="1">
+                <a:latin typeface="微软雅黑" panose="020B0503020204020204" pitchFamily="34" charset="-122"/>
+                <a:ea typeface="微软雅黑" panose="020B0503020204020204" pitchFamily="34" charset="-122"/>
+              </a:rPr>
               <a:t>Jsp</a:t>
             </a:r>
             <a:r>
-              <a:rPr lang="zh-CN" altLang="en-US" sz="1000" dirty="0"/>
+              <a:rPr lang="zh-CN" altLang="en-US" sz="1000" dirty="0">
+                <a:latin typeface="微软雅黑" panose="020B0503020204020204" pitchFamily="34" charset="-122"/>
+                <a:ea typeface="微软雅黑" panose="020B0503020204020204" pitchFamily="34" charset="-122"/>
+              </a:rPr>
               <a:t>、</a:t>
             </a:r>
             <a:r>
-              <a:rPr lang="en-US" altLang="zh-CN" sz="1000" dirty="0" err="1"/>
+              <a:rPr lang="en-US" altLang="zh-CN" sz="1000" dirty="0" err="1">
+                <a:latin typeface="微软雅黑" panose="020B0503020204020204" pitchFamily="34" charset="-122"/>
+                <a:ea typeface="微软雅黑" panose="020B0503020204020204" pitchFamily="34" charset="-122"/>
+              </a:rPr>
               <a:t>Freemarker</a:t>
             </a:r>
             <a:r>
-              <a:rPr lang="zh-CN" altLang="en-US" sz="1000" dirty="0"/>
+              <a:rPr lang="zh-CN" altLang="en-US" sz="1000" dirty="0">
+                <a:latin typeface="微软雅黑" panose="020B0503020204020204" pitchFamily="34" charset="-122"/>
+                <a:ea typeface="微软雅黑" panose="020B0503020204020204" pitchFamily="34" charset="-122"/>
+              </a:rPr>
               <a:t>、</a:t>
             </a:r>
             <a:r>
-              <a:rPr lang="en-US" altLang="zh-CN" sz="1000" dirty="0"/>
+              <a:rPr lang="en-US" altLang="zh-CN" sz="1000" dirty="0">
+                <a:latin typeface="微软雅黑" panose="020B0503020204020204" pitchFamily="34" charset="-122"/>
+                <a:ea typeface="微软雅黑" panose="020B0503020204020204" pitchFamily="34" charset="-122"/>
+              </a:rPr>
               <a:t>Excel</a:t>
             </a:r>
             <a:r>
-              <a:rPr lang="zh-CN" altLang="en-US" sz="1000" dirty="0"/>
+              <a:rPr lang="zh-CN" altLang="en-US" sz="1000" dirty="0">
+                <a:latin typeface="微软雅黑" panose="020B0503020204020204" pitchFamily="34" charset="-122"/>
+                <a:ea typeface="微软雅黑" panose="020B0503020204020204" pitchFamily="34" charset="-122"/>
+              </a:rPr>
               <a:t>、</a:t>
             </a:r>
             <a:r>
-              <a:rPr lang="en-US" altLang="zh-CN" sz="1000" dirty="0"/>
+              <a:rPr lang="en-US" altLang="zh-CN" sz="1000" dirty="0">
+                <a:latin typeface="微软雅黑" panose="020B0503020204020204" pitchFamily="34" charset="-122"/>
+                <a:ea typeface="微软雅黑" panose="020B0503020204020204" pitchFamily="34" charset="-122"/>
+              </a:rPr>
               <a:t>pdf</a:t>
             </a:r>
           </a:p>
           <a:p>
             <a:pPr algn="ctr"/>
             <a:r>
-              <a:rPr lang="zh-CN" altLang="en-US" sz="1000" dirty="0"/>
+              <a:rPr lang="zh-CN" altLang="en-US" sz="1000" dirty="0">
+                <a:latin typeface="微软雅黑" panose="020B0503020204020204" pitchFamily="34" charset="-122"/>
+                <a:ea typeface="微软雅黑" panose="020B0503020204020204" pitchFamily="34" charset="-122"/>
+              </a:rPr>
               <a:t>数据填充到</a:t>
             </a:r>
             <a:r>
-              <a:rPr lang="en-US" altLang="zh-CN" sz="1000" dirty="0"/>
+              <a:rPr lang="en-US" altLang="zh-CN" sz="1000" dirty="0">
+                <a:latin typeface="微软雅黑" panose="020B0503020204020204" pitchFamily="34" charset="-122"/>
+                <a:ea typeface="微软雅黑" panose="020B0503020204020204" pitchFamily="34" charset="-122"/>
+              </a:rPr>
               <a:t>request</a:t>
             </a:r>
             <a:r>
-              <a:rPr lang="zh-CN" altLang="en-US" sz="1000" dirty="0"/>
+              <a:rPr lang="zh-CN" altLang="en-US" sz="1000" dirty="0">
+                <a:latin typeface="微软雅黑" panose="020B0503020204020204" pitchFamily="34" charset="-122"/>
+                <a:ea typeface="微软雅黑" panose="020B0503020204020204" pitchFamily="34" charset="-122"/>
+              </a:rPr>
               <a:t>域</a:t>
             </a:r>
           </a:p>
@@ -5822,7 +6036,10 @@
           <a:lstStyle/>
           <a:p>
             <a:r>
-              <a:rPr lang="zh-CN" altLang="en-US" sz="1000" dirty="0"/>
+              <a:rPr lang="zh-CN" altLang="en-US" sz="1000" dirty="0">
+                <a:latin typeface="微软雅黑" panose="020B0503020204020204" pitchFamily="34" charset="-122"/>
+                <a:ea typeface="微软雅黑" panose="020B0503020204020204" pitchFamily="34" charset="-122"/>
+              </a:rPr>
               <a:t>请求视图渲染</a:t>
             </a:r>
           </a:p>
@@ -5843,7 +6060,7 @@
         <p:spPr>
           <a:xfrm>
             <a:off x="4391503" y="5295445"/>
-            <a:ext cx="939681" cy="246221"/>
+            <a:ext cx="995785" cy="246221"/>
           </a:xfrm>
           <a:prstGeom prst="rect">
             <a:avLst/>
@@ -5857,14 +6074,23 @@
           <a:lstStyle/>
           <a:p>
             <a:r>
-              <a:rPr lang="zh-CN" altLang="en-US" sz="1000" dirty="0"/>
+              <a:rPr lang="zh-CN" altLang="en-US" sz="1000" dirty="0">
+                <a:latin typeface="微软雅黑" panose="020B0503020204020204" pitchFamily="34" charset="-122"/>
+                <a:ea typeface="微软雅黑" panose="020B0503020204020204" pitchFamily="34" charset="-122"/>
+              </a:rPr>
               <a:t>返回</a:t>
             </a:r>
             <a:r>
-              <a:rPr lang="en-US" altLang="zh-CN" sz="1000" dirty="0"/>
+              <a:rPr lang="en-US" altLang="zh-CN" sz="1000" dirty="0">
+                <a:latin typeface="微软雅黑" panose="020B0503020204020204" pitchFamily="34" charset="-122"/>
+                <a:ea typeface="微软雅黑" panose="020B0503020204020204" pitchFamily="34" charset="-122"/>
+              </a:rPr>
               <a:t>response</a:t>
             </a:r>
-            <a:endParaRPr lang="zh-CN" altLang="en-US" sz="1000" dirty="0"/>
+            <a:endParaRPr lang="zh-CN" altLang="en-US" sz="1000" dirty="0">
+              <a:latin typeface="微软雅黑" panose="020B0503020204020204" pitchFamily="34" charset="-122"/>
+              <a:ea typeface="微软雅黑" panose="020B0503020204020204" pitchFamily="34" charset="-122"/>
+            </a:endParaRPr>
           </a:p>
         </p:txBody>
       </p:sp>
@@ -5955,6 +6181,8 @@
                 <a:solidFill>
                   <a:schemeClr val="bg1"/>
                 </a:solidFill>
+                <a:latin typeface="微软雅黑" panose="020B0503020204020204" pitchFamily="34" charset="-122"/>
+                <a:ea typeface="微软雅黑" panose="020B0503020204020204" pitchFamily="34" charset="-122"/>
               </a:rPr>
               <a:t>前端资源</a:t>
             </a:r>
@@ -5990,7 +6218,10 @@
           <a:lstStyle/>
           <a:p>
             <a:r>
-              <a:rPr lang="zh-CN" altLang="en-US" sz="1000" dirty="0"/>
+              <a:rPr lang="zh-CN" altLang="en-US" sz="1000" dirty="0">
+                <a:latin typeface="微软雅黑" panose="020B0503020204020204" pitchFamily="34" charset="-122"/>
+                <a:ea typeface="微软雅黑" panose="020B0503020204020204" pitchFamily="34" charset="-122"/>
+              </a:rPr>
               <a:t>请求资源</a:t>
             </a:r>
           </a:p>
@@ -6025,7 +6256,10 @@
           <a:lstStyle/>
           <a:p>
             <a:r>
-              <a:rPr lang="zh-CN" altLang="en-US" sz="1000" dirty="0"/>
+              <a:rPr lang="zh-CN" altLang="en-US" sz="1000" dirty="0">
+                <a:latin typeface="微软雅黑" panose="020B0503020204020204" pitchFamily="34" charset="-122"/>
+                <a:ea typeface="微软雅黑" panose="020B0503020204020204" pitchFamily="34" charset="-122"/>
+              </a:rPr>
               <a:t>返回资源</a:t>
             </a:r>
           </a:p>
@@ -6114,7 +6348,10 @@
           <a:p>
             <a:pPr algn="ctr"/>
             <a:r>
-              <a:rPr lang="zh-CN" altLang="en-US" sz="1000" dirty="0"/>
+              <a:rPr lang="zh-CN" altLang="en-US" sz="1000" dirty="0">
+                <a:latin typeface="微软雅黑" panose="020B0503020204020204" pitchFamily="34" charset="-122"/>
+                <a:ea typeface="微软雅黑" panose="020B0503020204020204" pitchFamily="34" charset="-122"/>
+              </a:rPr>
               <a:t>客户端</a:t>
             </a:r>
           </a:p>
@@ -6135,7 +6372,7 @@
         <p:spPr>
           <a:xfrm>
             <a:off x="1384832" y="5872826"/>
-            <a:ext cx="939681" cy="246221"/>
+            <a:ext cx="995785" cy="246221"/>
           </a:xfrm>
           <a:prstGeom prst="rect">
             <a:avLst/>
@@ -6149,14 +6386,23 @@
           <a:lstStyle/>
           <a:p>
             <a:r>
-              <a:rPr lang="zh-CN" altLang="en-US" sz="1000" dirty="0"/>
+              <a:rPr lang="zh-CN" altLang="en-US" sz="1000" dirty="0">
+                <a:latin typeface="微软雅黑" panose="020B0503020204020204" pitchFamily="34" charset="-122"/>
+                <a:ea typeface="微软雅黑" panose="020B0503020204020204" pitchFamily="34" charset="-122"/>
+              </a:rPr>
               <a:t>返回</a:t>
             </a:r>
             <a:r>
-              <a:rPr lang="en-US" altLang="zh-CN" sz="1000" dirty="0"/>
+              <a:rPr lang="en-US" altLang="zh-CN" sz="1000" dirty="0">
+                <a:latin typeface="微软雅黑" panose="020B0503020204020204" pitchFamily="34" charset="-122"/>
+                <a:ea typeface="微软雅黑" panose="020B0503020204020204" pitchFamily="34" charset="-122"/>
+              </a:rPr>
               <a:t>response</a:t>
             </a:r>
-            <a:endParaRPr lang="zh-CN" altLang="en-US" sz="1000" dirty="0"/>
+            <a:endParaRPr lang="zh-CN" altLang="en-US" sz="1000" dirty="0">
+              <a:latin typeface="微软雅黑" panose="020B0503020204020204" pitchFamily="34" charset="-122"/>
+              <a:ea typeface="微软雅黑" panose="020B0503020204020204" pitchFamily="34" charset="-122"/>
+            </a:endParaRPr>
           </a:p>
         </p:txBody>
       </p:sp>
